--- a/Report/DriverBehavior.pptx
+++ b/Report/DriverBehavior.pptx
@@ -20,6 +20,12 @@
     <p:sldId id="262" r:id="rId14"/>
     <p:sldId id="265" r:id="rId15"/>
     <p:sldId id="266" r:id="rId16"/>
+    <p:sldId id="271" r:id="rId17"/>
+    <p:sldId id="272" r:id="rId18"/>
+    <p:sldId id="273" r:id="rId19"/>
+    <p:sldId id="275" r:id="rId20"/>
+    <p:sldId id="276" r:id="rId21"/>
+    <p:sldId id="274" r:id="rId22"/>
   </p:sldIdLst>
   <p:sldSz cx="9144000" cy="6858000" type="screen4x3"/>
   <p:notesSz cx="6858000" cy="9144000"/>
@@ -3283,11 +3289,7 @@
           <a:p>
             <a:r>
               <a:rPr lang="en-US" sz="3000" b="1" dirty="0" smtClean="0"/>
-              <a:t>Q4: </a:t>
-            </a:r>
-            <a:r>
-              <a:rPr lang="en-US" sz="3000" b="1" dirty="0" smtClean="0"/>
-              <a:t>Driver Tip Hot-Hand</a:t>
+              <a:t>Q4: Driver Tip Hot-Hand</a:t>
             </a:r>
           </a:p>
         </p:txBody>
@@ -3353,11 +3355,7 @@
           <a:p>
             <a:r>
               <a:rPr lang="en-US" sz="3000" b="1" dirty="0" smtClean="0"/>
-              <a:t>Q4: </a:t>
-            </a:r>
-            <a:r>
-              <a:rPr lang="en-US" sz="3000" b="1" dirty="0" smtClean="0"/>
-              <a:t>Driver Tip Hot-Hand</a:t>
+              <a:t>Q4: Driver Tip Hot-Hand</a:t>
             </a:r>
           </a:p>
         </p:txBody>
@@ -3386,11 +3384,7 @@
           <a:p>
             <a:r>
               <a:rPr lang="en-US" sz="2400" dirty="0" smtClean="0"/>
-              <a:t>We form th</a:t>
-            </a:r>
-            <a:r>
-              <a:rPr lang="en-US" sz="2400" dirty="0" smtClean="0"/>
-              <a:t>e tip statistic and aggregate</a:t>
+              <a:t>We form the tip statistic and aggregate</a:t>
             </a:r>
             <a:endParaRPr lang="en-US" sz="2400" dirty="0"/>
           </a:p>
@@ -3481,11 +3475,7 @@
           <a:p>
             <a:r>
               <a:rPr lang="en-US" sz="3000" b="1" dirty="0" smtClean="0"/>
-              <a:t>Q4: </a:t>
-            </a:r>
-            <a:r>
-              <a:rPr lang="en-US" sz="3000" b="1" dirty="0" smtClean="0"/>
-              <a:t>Driver Tip Hot-Hand</a:t>
+              <a:t>Q4: Driver Tip Hot-Hand</a:t>
             </a:r>
           </a:p>
         </p:txBody>
@@ -3641,11 +3631,7 @@
           <a:p>
             <a:r>
               <a:rPr lang="en-US" sz="3000" b="1" dirty="0" smtClean="0"/>
-              <a:t>Q5: </a:t>
-            </a:r>
-            <a:r>
-              <a:rPr lang="en-US" sz="3000" b="1" dirty="0" smtClean="0"/>
-              <a:t>Income Effect on Tip</a:t>
+              <a:t>Q5: Income Effect on Tip</a:t>
             </a:r>
           </a:p>
         </p:txBody>
@@ -3962,6 +3948,442 @@
 </p:sld>
 </file>
 
+<file path=ppt/slides/slide16.xml><?xml version="1.0" encoding="utf-8"?>
+<p:sld xmlns:a="http://schemas.openxmlformats.org/drawingml/2006/main" xmlns:r="http://schemas.openxmlformats.org/officeDocument/2006/relationships" xmlns:p="http://schemas.openxmlformats.org/presentationml/2006/main">
+  <p:cSld>
+    <p:spTree>
+      <p:nvGrpSpPr>
+        <p:cNvPr id="1" name=""/>
+        <p:cNvGrpSpPr/>
+        <p:nvPr/>
+      </p:nvGrpSpPr>
+      <p:grpSpPr>
+        <a:xfrm>
+          <a:off x="0" y="0"/>
+          <a:ext cx="0" cy="0"/>
+          <a:chOff x="0" y="0"/>
+          <a:chExt cx="0" cy="0"/>
+        </a:xfrm>
+      </p:grpSpPr>
+      <p:sp>
+        <p:nvSpPr>
+          <p:cNvPr id="4" name="TextBox 3"/>
+          <p:cNvSpPr txBox="1"/>
+          <p:nvPr/>
+        </p:nvSpPr>
+        <p:spPr>
+          <a:xfrm>
+            <a:off x="1219200" y="2396836"/>
+            <a:ext cx="7086600" cy="2677656"/>
+          </a:xfrm>
+          <a:prstGeom prst="rect">
+            <a:avLst/>
+          </a:prstGeom>
+          <a:noFill/>
+        </p:spPr>
+        <p:txBody>
+          <a:bodyPr wrap="square" rtlCol="0">
+            <a:spAutoFit/>
+          </a:bodyPr>
+          <a:lstStyle/>
+          <a:p>
+            <a:r>
+              <a:rPr lang="en-US" sz="2400" dirty="0" smtClean="0"/>
+              <a:t>Do passengers tip more with respect to payment type and number of riders?</a:t>
+            </a:r>
+          </a:p>
+          <a:p>
+            <a:endParaRPr lang="en-US" sz="2400" dirty="0"/>
+          </a:p>
+          <a:p>
+            <a:r>
+              <a:rPr lang="en-US" sz="2400" dirty="0" smtClean="0"/>
+              <a:t>Is driver behavior affected by tipping trends?</a:t>
+            </a:r>
+          </a:p>
+          <a:p>
+            <a:endParaRPr lang="en-US" sz="2400" dirty="0"/>
+          </a:p>
+          <a:p>
+            <a:r>
+              <a:rPr lang="en-US" sz="2400" dirty="0" smtClean="0"/>
+              <a:t>How do number of passengers, tips, payment type, and day of week interact?</a:t>
+            </a:r>
+            <a:endParaRPr lang="en-US" sz="2400" dirty="0"/>
+          </a:p>
+        </p:txBody>
+      </p:sp>
+      <p:sp>
+        <p:nvSpPr>
+          <p:cNvPr id="3" name="TextBox 2"/>
+          <p:cNvSpPr txBox="1"/>
+          <p:nvPr/>
+        </p:nvSpPr>
+        <p:spPr>
+          <a:xfrm>
+            <a:off x="879763" y="609600"/>
+            <a:ext cx="6400800" cy="553998"/>
+          </a:xfrm>
+          <a:prstGeom prst="rect">
+            <a:avLst/>
+          </a:prstGeom>
+          <a:noFill/>
+        </p:spPr>
+        <p:txBody>
+          <a:bodyPr wrap="square" rtlCol="0">
+            <a:spAutoFit/>
+          </a:bodyPr>
+          <a:lstStyle/>
+          <a:p>
+            <a:r>
+              <a:rPr lang="en-US" sz="3000" b="1" dirty="0" smtClean="0"/>
+              <a:t>Q6: Aggregate Trends</a:t>
+            </a:r>
+            <a:endParaRPr lang="en-US" sz="3000" b="1" dirty="0" smtClean="0"/>
+          </a:p>
+        </p:txBody>
+      </p:sp>
+    </p:spTree>
+    <p:extLst>
+      <p:ext uri="{BB962C8B-B14F-4D97-AF65-F5344CB8AC3E}">
+        <p14:creationId xmlns:p14="http://schemas.microsoft.com/office/powerpoint/2010/main" val="3549510071"/>
+      </p:ext>
+    </p:extLst>
+  </p:cSld>
+  <p:clrMapOvr>
+    <a:masterClrMapping/>
+  </p:clrMapOvr>
+  <p:timing>
+    <p:tnLst>
+      <p:par>
+        <p:cTn xmlns:p14="http://schemas.microsoft.com/office/powerpoint/2010/main" id="1" dur="indefinite" restart="never" nodeType="tmRoot"/>
+      </p:par>
+    </p:tnLst>
+  </p:timing>
+</p:sld>
+</file>
+
+<file path=ppt/slides/slide17.xml><?xml version="1.0" encoding="utf-8"?>
+<p:sld xmlns:a="http://schemas.openxmlformats.org/drawingml/2006/main" xmlns:r="http://schemas.openxmlformats.org/officeDocument/2006/relationships" xmlns:p="http://schemas.openxmlformats.org/presentationml/2006/main">
+  <p:cSld>
+    <p:spTree>
+      <p:nvGrpSpPr>
+        <p:cNvPr id="1" name=""/>
+        <p:cNvGrpSpPr/>
+        <p:nvPr/>
+      </p:nvGrpSpPr>
+      <p:grpSpPr>
+        <a:xfrm>
+          <a:off x="0" y="0"/>
+          <a:ext cx="0" cy="0"/>
+          <a:chOff x="0" y="0"/>
+          <a:chExt cx="0" cy="0"/>
+        </a:xfrm>
+      </p:grpSpPr>
+      <p:sp>
+        <p:nvSpPr>
+          <p:cNvPr id="3" name="TextBox 2"/>
+          <p:cNvSpPr txBox="1"/>
+          <p:nvPr/>
+        </p:nvSpPr>
+        <p:spPr>
+          <a:xfrm>
+            <a:off x="879763" y="609600"/>
+            <a:ext cx="6400800" cy="553998"/>
+          </a:xfrm>
+          <a:prstGeom prst="rect">
+            <a:avLst/>
+          </a:prstGeom>
+          <a:noFill/>
+        </p:spPr>
+        <p:txBody>
+          <a:bodyPr wrap="square" rtlCol="0">
+            <a:spAutoFit/>
+          </a:bodyPr>
+          <a:lstStyle/>
+          <a:p>
+            <a:r>
+              <a:rPr lang="en-US" sz="3000" b="1" dirty="0" smtClean="0"/>
+              <a:t>Q6: Aggregate Trends</a:t>
+            </a:r>
+            <a:endParaRPr lang="en-US" sz="3000" b="1" dirty="0"/>
+          </a:p>
+        </p:txBody>
+      </p:sp>
+      <p:pic>
+        <p:nvPicPr>
+          <p:cNvPr id="2" name="Picture 1" descr="pct_pc0_pcno0.pdf"/>
+          <p:cNvPicPr>
+            <a:picLocks noChangeAspect="1"/>
+          </p:cNvPicPr>
+          <p:nvPr/>
+        </p:nvPicPr>
+        <p:blipFill>
+          <a:blip r:embed="rId2">
+            <a:extLst>
+              <a:ext uri="{28A0092B-C50C-407E-A947-70E740481C1C}">
+                <a14:useLocalDpi xmlns:a14="http://schemas.microsoft.com/office/drawing/2010/main" val="0"/>
+              </a:ext>
+            </a:extLst>
+          </a:blip>
+          <a:stretch>
+            <a:fillRect/>
+          </a:stretch>
+        </p:blipFill>
+        <p:spPr>
+          <a:xfrm>
+            <a:off x="1143000" y="1143000"/>
+            <a:ext cx="7315200" cy="5486400"/>
+          </a:xfrm>
+          <a:prstGeom prst="rect">
+            <a:avLst/>
+          </a:prstGeom>
+        </p:spPr>
+      </p:pic>
+    </p:spTree>
+    <p:extLst>
+      <p:ext uri="{BB962C8B-B14F-4D97-AF65-F5344CB8AC3E}">
+        <p14:creationId xmlns:p14="http://schemas.microsoft.com/office/powerpoint/2010/main" val="720254217"/>
+      </p:ext>
+    </p:extLst>
+  </p:cSld>
+  <p:clrMapOvr>
+    <a:masterClrMapping/>
+  </p:clrMapOvr>
+  <p:timing>
+    <p:tnLst>
+      <p:par>
+        <p:cTn xmlns:p14="http://schemas.microsoft.com/office/powerpoint/2010/main" id="1" dur="indefinite" restart="never" nodeType="tmRoot"/>
+      </p:par>
+    </p:tnLst>
+  </p:timing>
+</p:sld>
+</file>
+
+<file path=ppt/slides/slide18.xml><?xml version="1.0" encoding="utf-8"?>
+<p:sld xmlns:a="http://schemas.openxmlformats.org/drawingml/2006/main" xmlns:r="http://schemas.openxmlformats.org/officeDocument/2006/relationships" xmlns:p="http://schemas.openxmlformats.org/presentationml/2006/main">
+  <p:cSld>
+    <p:spTree>
+      <p:nvGrpSpPr>
+        <p:cNvPr id="1" name=""/>
+        <p:cNvGrpSpPr/>
+        <p:nvPr/>
+      </p:nvGrpSpPr>
+      <p:grpSpPr>
+        <a:xfrm>
+          <a:off x="0" y="0"/>
+          <a:ext cx="0" cy="0"/>
+          <a:chOff x="0" y="0"/>
+          <a:chExt cx="0" cy="0"/>
+        </a:xfrm>
+      </p:grpSpPr>
+      <p:sp>
+        <p:nvSpPr>
+          <p:cNvPr id="3" name="TextBox 2"/>
+          <p:cNvSpPr txBox="1"/>
+          <p:nvPr/>
+        </p:nvSpPr>
+        <p:spPr>
+          <a:xfrm>
+            <a:off x="879763" y="609600"/>
+            <a:ext cx="6400800" cy="553998"/>
+          </a:xfrm>
+          <a:prstGeom prst="rect">
+            <a:avLst/>
+          </a:prstGeom>
+          <a:noFill/>
+        </p:spPr>
+        <p:txBody>
+          <a:bodyPr wrap="square" rtlCol="0">
+            <a:spAutoFit/>
+          </a:bodyPr>
+          <a:lstStyle/>
+          <a:p>
+            <a:r>
+              <a:rPr lang="en-US" sz="3000" b="1" dirty="0" smtClean="0"/>
+              <a:t>Q6: Aggregate Trends</a:t>
+            </a:r>
+            <a:endParaRPr lang="en-US" sz="3000" b="1" dirty="0"/>
+          </a:p>
+        </p:txBody>
+      </p:sp>
+      <p:pic>
+        <p:nvPicPr>
+          <p:cNvPr id="2" name="Picture 1" descr="tip_passenger.pdf"/>
+          <p:cNvPicPr>
+            <a:picLocks noChangeAspect="1"/>
+          </p:cNvPicPr>
+          <p:nvPr/>
+        </p:nvPicPr>
+        <p:blipFill>
+          <a:blip r:embed="rId2">
+            <a:extLst>
+              <a:ext uri="{28A0092B-C50C-407E-A947-70E740481C1C}">
+                <a14:useLocalDpi xmlns:a14="http://schemas.microsoft.com/office/drawing/2010/main" val="0"/>
+              </a:ext>
+            </a:extLst>
+          </a:blip>
+          <a:stretch>
+            <a:fillRect/>
+          </a:stretch>
+        </p:blipFill>
+        <p:spPr>
+          <a:xfrm>
+            <a:off x="990600" y="1143000"/>
+            <a:ext cx="7315200" cy="5486400"/>
+          </a:xfrm>
+          <a:prstGeom prst="rect">
+            <a:avLst/>
+          </a:prstGeom>
+        </p:spPr>
+      </p:pic>
+    </p:spTree>
+    <p:extLst>
+      <p:ext uri="{BB962C8B-B14F-4D97-AF65-F5344CB8AC3E}">
+        <p14:creationId xmlns:p14="http://schemas.microsoft.com/office/powerpoint/2010/main" val="3683747991"/>
+      </p:ext>
+    </p:extLst>
+  </p:cSld>
+  <p:clrMapOvr>
+    <a:masterClrMapping/>
+  </p:clrMapOvr>
+  <p:timing>
+    <p:tnLst>
+      <p:par>
+        <p:cTn xmlns:p14="http://schemas.microsoft.com/office/powerpoint/2010/main" id="1" dur="indefinite" restart="never" nodeType="tmRoot"/>
+      </p:par>
+    </p:tnLst>
+  </p:timing>
+</p:sld>
+</file>
+
+<file path=ppt/slides/slide19.xml><?xml version="1.0" encoding="utf-8"?>
+<p:sld xmlns:a="http://schemas.openxmlformats.org/drawingml/2006/main" xmlns:r="http://schemas.openxmlformats.org/officeDocument/2006/relationships" xmlns:p="http://schemas.openxmlformats.org/presentationml/2006/main">
+  <p:cSld>
+    <p:spTree>
+      <p:nvGrpSpPr>
+        <p:cNvPr id="1" name=""/>
+        <p:cNvGrpSpPr/>
+        <p:nvPr/>
+      </p:nvGrpSpPr>
+      <p:grpSpPr>
+        <a:xfrm>
+          <a:off x="0" y="0"/>
+          <a:ext cx="0" cy="0"/>
+          <a:chOff x="0" y="0"/>
+          <a:chExt cx="0" cy="0"/>
+        </a:xfrm>
+      </p:grpSpPr>
+      <p:sp>
+        <p:nvSpPr>
+          <p:cNvPr id="3" name="TextBox 2"/>
+          <p:cNvSpPr txBox="1"/>
+          <p:nvPr/>
+        </p:nvSpPr>
+        <p:spPr>
+          <a:xfrm>
+            <a:off x="879763" y="609600"/>
+            <a:ext cx="6400800" cy="553998"/>
+          </a:xfrm>
+          <a:prstGeom prst="rect">
+            <a:avLst/>
+          </a:prstGeom>
+          <a:noFill/>
+        </p:spPr>
+        <p:txBody>
+          <a:bodyPr wrap="square" rtlCol="0">
+            <a:spAutoFit/>
+          </a:bodyPr>
+          <a:lstStyle/>
+          <a:p>
+            <a:r>
+              <a:rPr lang="en-US" sz="3000" b="1" dirty="0" smtClean="0"/>
+              <a:t>Q6: Aggregate Trends</a:t>
+            </a:r>
+            <a:endParaRPr lang="en-US" sz="3000" b="1" dirty="0"/>
+          </a:p>
+        </p:txBody>
+      </p:sp>
+      <p:pic>
+        <p:nvPicPr>
+          <p:cNvPr id="4" name="Picture 3" descr="total_tip.pdf"/>
+          <p:cNvPicPr>
+            <a:picLocks noChangeAspect="1"/>
+          </p:cNvPicPr>
+          <p:nvPr/>
+        </p:nvPicPr>
+        <p:blipFill>
+          <a:blip r:embed="rId2">
+            <a:extLst>
+              <a:ext uri="{28A0092B-C50C-407E-A947-70E740481C1C}">
+                <a14:useLocalDpi xmlns:a14="http://schemas.microsoft.com/office/drawing/2010/main" val="0"/>
+              </a:ext>
+            </a:extLst>
+          </a:blip>
+          <a:stretch>
+            <a:fillRect/>
+          </a:stretch>
+        </p:blipFill>
+        <p:spPr>
+          <a:xfrm>
+            <a:off x="0" y="1981201"/>
+            <a:ext cx="4648200" cy="3486150"/>
+          </a:xfrm>
+          <a:prstGeom prst="rect">
+            <a:avLst/>
+          </a:prstGeom>
+        </p:spPr>
+      </p:pic>
+      <p:pic>
+        <p:nvPicPr>
+          <p:cNvPr id="5" name="Picture 4" descr="total_taxis.pdf"/>
+          <p:cNvPicPr>
+            <a:picLocks noChangeAspect="1"/>
+          </p:cNvPicPr>
+          <p:nvPr/>
+        </p:nvPicPr>
+        <p:blipFill>
+          <a:blip r:embed="rId3">
+            <a:extLst>
+              <a:ext uri="{28A0092B-C50C-407E-A947-70E740481C1C}">
+                <a14:useLocalDpi xmlns:a14="http://schemas.microsoft.com/office/drawing/2010/main" val="0"/>
+              </a:ext>
+            </a:extLst>
+          </a:blip>
+          <a:stretch>
+            <a:fillRect/>
+          </a:stretch>
+        </p:blipFill>
+        <p:spPr>
+          <a:xfrm>
+            <a:off x="4477355" y="1981200"/>
+            <a:ext cx="4673600" cy="3505200"/>
+          </a:xfrm>
+          <a:prstGeom prst="rect">
+            <a:avLst/>
+          </a:prstGeom>
+        </p:spPr>
+      </p:pic>
+    </p:spTree>
+    <p:extLst>
+      <p:ext uri="{BB962C8B-B14F-4D97-AF65-F5344CB8AC3E}">
+        <p14:creationId xmlns:p14="http://schemas.microsoft.com/office/powerpoint/2010/main" val="854180727"/>
+      </p:ext>
+    </p:extLst>
+  </p:cSld>
+  <p:clrMapOvr>
+    <a:masterClrMapping/>
+  </p:clrMapOvr>
+  <p:timing>
+    <p:tnLst>
+      <p:par>
+        <p:cTn xmlns:p14="http://schemas.microsoft.com/office/powerpoint/2010/main" id="1" dur="indefinite" restart="never" nodeType="tmRoot"/>
+      </p:par>
+    </p:tnLst>
+  </p:timing>
+</p:sld>
+</file>
+
 <file path=ppt/slides/slide2.xml><?xml version="1.0" encoding="utf-8"?>
 <p:sld xmlns:a="http://schemas.openxmlformats.org/drawingml/2006/main" xmlns:r="http://schemas.openxmlformats.org/officeDocument/2006/relationships" xmlns:p="http://schemas.openxmlformats.org/presentationml/2006/main">
   <p:cSld>
@@ -4087,6 +4509,164 @@
       </p:par>
     </p:tnLst>
   </p:timing>
+</p:sld>
+</file>
+
+<file path=ppt/slides/slide20.xml><?xml version="1.0" encoding="utf-8"?>
+<p:sld xmlns:a="http://schemas.openxmlformats.org/drawingml/2006/main" xmlns:r="http://schemas.openxmlformats.org/officeDocument/2006/relationships" xmlns:p="http://schemas.openxmlformats.org/presentationml/2006/main">
+  <p:cSld>
+    <p:spTree>
+      <p:nvGrpSpPr>
+        <p:cNvPr id="1" name=""/>
+        <p:cNvGrpSpPr/>
+        <p:nvPr/>
+      </p:nvGrpSpPr>
+      <p:grpSpPr>
+        <a:xfrm>
+          <a:off x="0" y="0"/>
+          <a:ext cx="0" cy="0"/>
+          <a:chOff x="0" y="0"/>
+          <a:chExt cx="0" cy="0"/>
+        </a:xfrm>
+      </p:grpSpPr>
+      <p:sp>
+        <p:nvSpPr>
+          <p:cNvPr id="3" name="TextBox 2"/>
+          <p:cNvSpPr txBox="1"/>
+          <p:nvPr/>
+        </p:nvSpPr>
+        <p:spPr>
+          <a:xfrm>
+            <a:off x="879763" y="609600"/>
+            <a:ext cx="6400800" cy="553998"/>
+          </a:xfrm>
+          <a:prstGeom prst="rect">
+            <a:avLst/>
+          </a:prstGeom>
+          <a:noFill/>
+        </p:spPr>
+        <p:txBody>
+          <a:bodyPr wrap="square" rtlCol="0">
+            <a:spAutoFit/>
+          </a:bodyPr>
+          <a:lstStyle/>
+          <a:p>
+            <a:r>
+              <a:rPr lang="en-US" sz="3000" b="1" dirty="0" smtClean="0"/>
+              <a:t>Q6: Aggregate Trends</a:t>
+            </a:r>
+            <a:endParaRPr lang="en-US" sz="3000" b="1" dirty="0"/>
+          </a:p>
+        </p:txBody>
+      </p:sp>
+      <p:pic>
+        <p:nvPicPr>
+          <p:cNvPr id="4" name="Picture 3" descr="tips_per_taxi.pdf"/>
+          <p:cNvPicPr>
+            <a:picLocks noChangeAspect="1"/>
+          </p:cNvPicPr>
+          <p:nvPr/>
+        </p:nvPicPr>
+        <p:blipFill>
+          <a:blip r:embed="rId2">
+            <a:extLst>
+              <a:ext uri="{28A0092B-C50C-407E-A947-70E740481C1C}">
+                <a14:useLocalDpi xmlns:a14="http://schemas.microsoft.com/office/drawing/2010/main" val="0"/>
+              </a:ext>
+            </a:extLst>
+          </a:blip>
+          <a:stretch>
+            <a:fillRect/>
+          </a:stretch>
+        </p:blipFill>
+        <p:spPr>
+          <a:xfrm>
+            <a:off x="1295400" y="1143000"/>
+            <a:ext cx="7315200" cy="5486400"/>
+          </a:xfrm>
+          <a:prstGeom prst="rect">
+            <a:avLst/>
+          </a:prstGeom>
+        </p:spPr>
+      </p:pic>
+    </p:spTree>
+    <p:extLst>
+      <p:ext uri="{BB962C8B-B14F-4D97-AF65-F5344CB8AC3E}">
+        <p14:creationId xmlns:p14="http://schemas.microsoft.com/office/powerpoint/2010/main" val="854180727"/>
+      </p:ext>
+    </p:extLst>
+  </p:cSld>
+  <p:clrMapOvr>
+    <a:masterClrMapping/>
+  </p:clrMapOvr>
+  <p:timing>
+    <p:tnLst>
+      <p:par>
+        <p:cTn xmlns:p14="http://schemas.microsoft.com/office/powerpoint/2010/main" id="1" dur="indefinite" restart="never" nodeType="tmRoot"/>
+      </p:par>
+    </p:tnLst>
+  </p:timing>
+</p:sld>
+</file>
+
+<file path=ppt/slides/slide21.xml><?xml version="1.0" encoding="utf-8"?>
+<p:sld xmlns:a="http://schemas.openxmlformats.org/drawingml/2006/main" xmlns:r="http://schemas.openxmlformats.org/officeDocument/2006/relationships" xmlns:p="http://schemas.openxmlformats.org/presentationml/2006/main">
+  <p:cSld>
+    <p:spTree>
+      <p:nvGrpSpPr>
+        <p:cNvPr id="1" name=""/>
+        <p:cNvGrpSpPr/>
+        <p:nvPr/>
+      </p:nvGrpSpPr>
+      <p:grpSpPr>
+        <a:xfrm>
+          <a:off x="0" y="0"/>
+          <a:ext cx="0" cy="0"/>
+          <a:chOff x="0" y="0"/>
+          <a:chExt cx="0" cy="0"/>
+        </a:xfrm>
+      </p:grpSpPr>
+      <p:sp>
+        <p:nvSpPr>
+          <p:cNvPr id="4" name="TextBox 3"/>
+          <p:cNvSpPr txBox="1"/>
+          <p:nvPr/>
+        </p:nvSpPr>
+        <p:spPr>
+          <a:xfrm>
+            <a:off x="1295400" y="2514600"/>
+            <a:ext cx="6400800" cy="830997"/>
+          </a:xfrm>
+          <a:prstGeom prst="rect">
+            <a:avLst/>
+          </a:prstGeom>
+          <a:noFill/>
+        </p:spPr>
+        <p:txBody>
+          <a:bodyPr wrap="square" rtlCol="0">
+            <a:spAutoFit/>
+          </a:bodyPr>
+          <a:lstStyle/>
+          <a:p>
+            <a:pPr algn="ctr"/>
+            <a:r>
+              <a:rPr lang="en-US" sz="4800" b="1" dirty="0" smtClean="0"/>
+              <a:t>Q&amp;A</a:t>
+            </a:r>
+            <a:endParaRPr lang="en-US" sz="4800" dirty="0"/>
+          </a:p>
+        </p:txBody>
+      </p:sp>
+    </p:spTree>
+    <p:extLst>
+      <p:ext uri="{BB962C8B-B14F-4D97-AF65-F5344CB8AC3E}">
+        <p14:creationId xmlns:p14="http://schemas.microsoft.com/office/powerpoint/2010/main" val="3946565281"/>
+      </p:ext>
+    </p:extLst>
+  </p:cSld>
+  <p:clrMapOvr>
+    <a:masterClrMapping/>
+  </p:clrMapOvr>
 </p:sld>
 </file>
 
@@ -4427,7 +5007,6 @@
               <a:rPr lang="en-US" sz="3000" b="1" dirty="0" smtClean="0"/>
               <a:t>Q2: Fare Sensitivities</a:t>
             </a:r>
-            <a:endParaRPr lang="en-US" sz="3000" b="1" dirty="0" smtClean="0"/>
           </a:p>
         </p:txBody>
       </p:sp>
